--- a/test/ShapeCrawler.Tests.Unit.xUnit/Resource/054_get_shape_xpath.pptx
+++ b/test/ShapeCrawler.Tests.Unit.xUnit/Resource/054_get_shape_xpath.pptx
@@ -271,7 +271,7 @@
           <a:p>
             <a:fld id="{7BF7C5E4-7305-4871-B716-BEBE74BC2E4C}" type="datetimeFigureOut">
               <a:rPr lang="zh-CN" altLang="en-US" smtClean="0"/>
-              <a:t>2023/11/11</a:t>
+              <a:t>2023/11/13</a:t>
             </a:fld>
             <a:endParaRPr lang="zh-CN" altLang="en-US"/>
           </a:p>
@@ -469,7 +469,7 @@
           <a:p>
             <a:fld id="{7BF7C5E4-7305-4871-B716-BEBE74BC2E4C}" type="datetimeFigureOut">
               <a:rPr lang="zh-CN" altLang="en-US" smtClean="0"/>
-              <a:t>2023/11/11</a:t>
+              <a:t>2023/11/13</a:t>
             </a:fld>
             <a:endParaRPr lang="zh-CN" altLang="en-US"/>
           </a:p>
@@ -677,7 +677,7 @@
           <a:p>
             <a:fld id="{7BF7C5E4-7305-4871-B716-BEBE74BC2E4C}" type="datetimeFigureOut">
               <a:rPr lang="zh-CN" altLang="en-US" smtClean="0"/>
-              <a:t>2023/11/11</a:t>
+              <a:t>2023/11/13</a:t>
             </a:fld>
             <a:endParaRPr lang="zh-CN" altLang="en-US"/>
           </a:p>
@@ -875,7 +875,7 @@
           <a:p>
             <a:fld id="{7BF7C5E4-7305-4871-B716-BEBE74BC2E4C}" type="datetimeFigureOut">
               <a:rPr lang="zh-CN" altLang="en-US" smtClean="0"/>
-              <a:t>2023/11/11</a:t>
+              <a:t>2023/11/13</a:t>
             </a:fld>
             <a:endParaRPr lang="zh-CN" altLang="en-US"/>
           </a:p>
@@ -1150,7 +1150,7 @@
           <a:p>
             <a:fld id="{7BF7C5E4-7305-4871-B716-BEBE74BC2E4C}" type="datetimeFigureOut">
               <a:rPr lang="zh-CN" altLang="en-US" smtClean="0"/>
-              <a:t>2023/11/11</a:t>
+              <a:t>2023/11/13</a:t>
             </a:fld>
             <a:endParaRPr lang="zh-CN" altLang="en-US"/>
           </a:p>
@@ -1415,7 +1415,7 @@
           <a:p>
             <a:fld id="{7BF7C5E4-7305-4871-B716-BEBE74BC2E4C}" type="datetimeFigureOut">
               <a:rPr lang="zh-CN" altLang="en-US" smtClean="0"/>
-              <a:t>2023/11/11</a:t>
+              <a:t>2023/11/13</a:t>
             </a:fld>
             <a:endParaRPr lang="zh-CN" altLang="en-US"/>
           </a:p>
@@ -1827,7 +1827,7 @@
           <a:p>
             <a:fld id="{7BF7C5E4-7305-4871-B716-BEBE74BC2E4C}" type="datetimeFigureOut">
               <a:rPr lang="zh-CN" altLang="en-US" smtClean="0"/>
-              <a:t>2023/11/11</a:t>
+              <a:t>2023/11/13</a:t>
             </a:fld>
             <a:endParaRPr lang="zh-CN" altLang="en-US"/>
           </a:p>
@@ -1968,7 +1968,7 @@
           <a:p>
             <a:fld id="{7BF7C5E4-7305-4871-B716-BEBE74BC2E4C}" type="datetimeFigureOut">
               <a:rPr lang="zh-CN" altLang="en-US" smtClean="0"/>
-              <a:t>2023/11/11</a:t>
+              <a:t>2023/11/13</a:t>
             </a:fld>
             <a:endParaRPr lang="zh-CN" altLang="en-US"/>
           </a:p>
@@ -2081,7 +2081,7 @@
           <a:p>
             <a:fld id="{7BF7C5E4-7305-4871-B716-BEBE74BC2E4C}" type="datetimeFigureOut">
               <a:rPr lang="zh-CN" altLang="en-US" smtClean="0"/>
-              <a:t>2023/11/11</a:t>
+              <a:t>2023/11/13</a:t>
             </a:fld>
             <a:endParaRPr lang="zh-CN" altLang="en-US"/>
           </a:p>
@@ -2392,7 +2392,7 @@
           <a:p>
             <a:fld id="{7BF7C5E4-7305-4871-B716-BEBE74BC2E4C}" type="datetimeFigureOut">
               <a:rPr lang="zh-CN" altLang="en-US" smtClean="0"/>
-              <a:t>2023/11/11</a:t>
+              <a:t>2023/11/13</a:t>
             </a:fld>
             <a:endParaRPr lang="zh-CN" altLang="en-US"/>
           </a:p>
@@ -2680,7 +2680,7 @@
           <a:p>
             <a:fld id="{7BF7C5E4-7305-4871-B716-BEBE74BC2E4C}" type="datetimeFigureOut">
               <a:rPr lang="zh-CN" altLang="en-US" smtClean="0"/>
-              <a:t>2023/11/11</a:t>
+              <a:t>2023/11/13</a:t>
             </a:fld>
             <a:endParaRPr lang="zh-CN" altLang="en-US"/>
           </a:p>
@@ -2921,7 +2921,7 @@
           <a:p>
             <a:fld id="{7BF7C5E4-7305-4871-B716-BEBE74BC2E4C}" type="datetimeFigureOut">
               <a:rPr lang="zh-CN" altLang="en-US" smtClean="0"/>
-              <a:t>2023/11/11</a:t>
+              <a:t>2023/11/13</a:t>
             </a:fld>
             <a:endParaRPr lang="zh-CN" altLang="en-US"/>
           </a:p>
@@ -3340,7 +3340,7 @@
       </p:grpSpPr>
       <p:sp>
         <p:nvSpPr>
-          <p:cNvPr id="2" name="标题 1">
+          <p:cNvPr id="2" name="Title 1">
             <a:extLst>
               <a:ext uri="{FF2B5EF4-FFF2-40B4-BE49-F238E27FC236}">
                 <a16:creationId xmlns:a16="http://schemas.microsoft.com/office/drawing/2014/main" id="{8311EDB5-2CBC-0574-54E6-1B266D1ED419}"/>
@@ -3369,7 +3369,7 @@
       </p:sp>
       <p:sp>
         <p:nvSpPr>
-          <p:cNvPr id="3" name="副标题 2">
+          <p:cNvPr id="3" name="SubTitle 2">
             <a:extLst>
               <a:ext uri="{FF2B5EF4-FFF2-40B4-BE49-F238E27FC236}">
                 <a16:creationId xmlns:a16="http://schemas.microsoft.com/office/drawing/2014/main" id="{E92B2AE6-B0D0-1987-80B0-B8D8E4916E17}"/>
@@ -3380,7 +3380,7 @@
             <a:spLocks noGrp="1"/>
           </p:cNvSpPr>
           <p:nvPr>
-            <p:ph type="subTitle" idx="1"/>
+            <p:ph idx="1"/>
           </p:nvPr>
         </p:nvSpPr>
         <p:spPr/>
@@ -3428,7 +3428,7 @@
       </p:grpSpPr>
       <p:sp>
         <p:nvSpPr>
-          <p:cNvPr id="2" name="标题 1">
+          <p:cNvPr id="2" name="Title 1">
             <a:extLst>
               <a:ext uri="{FF2B5EF4-FFF2-40B4-BE49-F238E27FC236}">
                 <a16:creationId xmlns:a16="http://schemas.microsoft.com/office/drawing/2014/main" id="{B29C9B97-F100-E1BC-4D08-9CED929CEB9D}"/>
@@ -3461,7 +3461,7 @@
       </p:sp>
       <p:sp>
         <p:nvSpPr>
-          <p:cNvPr id="3" name="内容占位符 2">
+          <p:cNvPr id="3" name="Content Placeholder 2">
             <a:extLst>
               <a:ext uri="{FF2B5EF4-FFF2-40B4-BE49-F238E27FC236}">
                 <a16:creationId xmlns:a16="http://schemas.microsoft.com/office/drawing/2014/main" id="{CE02771B-1A80-71AB-F5C2-C14FAF1C0F8A}"/>
@@ -3499,7 +3499,7 @@
       </p:sp>
       <p:sp>
         <p:nvSpPr>
-          <p:cNvPr id="4" name="矩形 3">
+          <p:cNvPr id="4" name="Shape 3">
             <a:extLst>
               <a:ext uri="{FF2B5EF4-FFF2-40B4-BE49-F238E27FC236}">
                 <a16:creationId xmlns:a16="http://schemas.microsoft.com/office/drawing/2014/main" id="{83992268-98AA-0696-1834-D2AC316BAAC3}"/>
